--- a/High School/Design and Drawing for Production/Unit 6 - Multiview Drawing/Section 1 - Intro Multiview Drawings/Assets/U6S1 - Intro Multiview.pptx
+++ b/High School/Design and Drawing for Production/Unit 6 - Multiview Drawing/Section 1 - Intro Multiview Drawings/Assets/U6S1 - Intro Multiview.pptx
@@ -5,10 +5,10 @@
     <p:sldMasterId id="2147483735" r:id="rId1"/>
   </p:sldMasterIdLst>
   <p:notesMasterIdLst>
-    <p:notesMasterId r:id="rId11"/>
+    <p:notesMasterId r:id="rId13"/>
   </p:notesMasterIdLst>
   <p:handoutMasterIdLst>
-    <p:handoutMasterId r:id="rId12"/>
+    <p:handoutMasterId r:id="rId14"/>
   </p:handoutMasterIdLst>
   <p:sldIdLst>
     <p:sldId id="275" r:id="rId2"/>
@@ -20,6 +20,8 @@
     <p:sldId id="272" r:id="rId8"/>
     <p:sldId id="273" r:id="rId9"/>
     <p:sldId id="278" r:id="rId10"/>
+    <p:sldId id="279" r:id="rId11"/>
+    <p:sldId id="280" r:id="rId12"/>
   </p:sldIdLst>
   <p:sldSz cx="12192000" cy="6858000"/>
   <p:notesSz cx="6858000" cy="9144000"/>
@@ -222,7 +224,7 @@
           <a:p>
             <a:fld id="{6AC4FB8F-ED15-48AB-97BD-17129D4E699D}" type="datetimeFigureOut">
               <a:rPr lang="en-US" smtClean="0"/>
-              <a:t>11/26/2018</a:t>
+              <a:t>12/4/18</a:t>
             </a:fld>
             <a:endParaRPr lang="en-US" dirty="0"/>
           </a:p>
@@ -387,7 +389,7 @@
           <a:p>
             <a:fld id="{BBC9D437-CD83-4825-AD0D-5E7B341BC79B}" type="datetimeFigureOut">
               <a:rPr lang="en-US" smtClean="0"/>
-              <a:t>11/26/2018</a:t>
+              <a:t>12/4/18</a:t>
             </a:fld>
             <a:endParaRPr lang="en-US" dirty="0"/>
           </a:p>
@@ -845,7 +847,7 @@
           <a:p>
             <a:fld id="{85AB7CBB-843F-464A-A764-71D6ADC27CFA}" type="datetime1">
               <a:rPr lang="en-US" smtClean="0"/>
-              <a:t>11/26/2018</a:t>
+              <a:t>12/4/18</a:t>
             </a:fld>
             <a:endParaRPr lang="en-US" dirty="0"/>
           </a:p>
@@ -1298,7 +1300,7 @@
           <a:p>
             <a:fld id="{3F138946-C5C1-4A11-BA69-F12F43F8A94B}" type="datetime1">
               <a:rPr lang="en-US" smtClean="0"/>
-              <a:t>11/26/2018</a:t>
+              <a:t>12/4/18</a:t>
             </a:fld>
             <a:endParaRPr lang="en-US" dirty="0"/>
           </a:p>
@@ -1554,7 +1556,7 @@
           <a:p>
             <a:fld id="{3F138946-C5C1-4A11-BA69-F12F43F8A94B}" type="datetime1">
               <a:rPr lang="en-US" smtClean="0"/>
-              <a:t>11/26/2018</a:t>
+              <a:t>12/4/18</a:t>
             </a:fld>
             <a:endParaRPr lang="en-US" dirty="0"/>
           </a:p>
@@ -1868,7 +1870,7 @@
           <a:p>
             <a:fld id="{3F138946-C5C1-4A11-BA69-F12F43F8A94B}" type="datetime1">
               <a:rPr lang="en-US" smtClean="0"/>
-              <a:t>11/26/2018</a:t>
+              <a:t>12/4/18</a:t>
             </a:fld>
             <a:endParaRPr lang="en-US" dirty="0"/>
           </a:p>
@@ -2192,7 +2194,7 @@
           <a:p>
             <a:fld id="{3F138946-C5C1-4A11-BA69-F12F43F8A94B}" type="datetime1">
               <a:rPr lang="en-US" smtClean="0"/>
-              <a:t>11/26/2018</a:t>
+              <a:t>12/4/18</a:t>
             </a:fld>
             <a:endParaRPr lang="en-US" dirty="0"/>
           </a:p>
@@ -2500,7 +2502,7 @@
           <a:p>
             <a:fld id="{3F138946-C5C1-4A11-BA69-F12F43F8A94B}" type="datetime1">
               <a:rPr lang="en-US" smtClean="0"/>
-              <a:t>11/26/2018</a:t>
+              <a:t>12/4/18</a:t>
             </a:fld>
             <a:endParaRPr lang="en-US" dirty="0"/>
           </a:p>
@@ -2873,7 +2875,7 @@
           <a:p>
             <a:fld id="{3F138946-C5C1-4A11-BA69-F12F43F8A94B}" type="datetime1">
               <a:rPr lang="en-US" smtClean="0"/>
-              <a:t>11/26/2018</a:t>
+              <a:t>12/4/18</a:t>
             </a:fld>
             <a:endParaRPr lang="en-US" dirty="0"/>
           </a:p>
@@ -3053,7 +3055,7 @@
           <a:p>
             <a:fld id="{CBEFC03D-3A1F-4813-9337-02411FCC3A9A}" type="datetime1">
               <a:rPr lang="en-US" smtClean="0"/>
-              <a:t>11/26/2018</a:t>
+              <a:t>12/4/18</a:t>
             </a:fld>
             <a:endParaRPr lang="en-US" dirty="0"/>
           </a:p>
@@ -3249,7 +3251,7 @@
           <a:p>
             <a:fld id="{3D638F79-DFA0-4C26-9553-23A017B69AB6}" type="datetime1">
               <a:rPr lang="en-US" smtClean="0"/>
-              <a:t>11/26/2018</a:t>
+              <a:t>12/4/18</a:t>
             </a:fld>
             <a:endParaRPr lang="en-US" dirty="0"/>
           </a:p>
@@ -3360,7 +3362,7 @@
           <a:p>
             <a:fld id="{AA615CA6-EC4D-4728-8AA6-534BE7E9B67C}" type="datetime1">
               <a:rPr lang="en-US" smtClean="0"/>
-              <a:t>11/26/2018</a:t>
+              <a:t>12/4/18</a:t>
             </a:fld>
             <a:endParaRPr lang="en-US" dirty="0"/>
           </a:p>
@@ -3545,7 +3547,7 @@
           <a:p>
             <a:fld id="{A70B34E7-E1D9-4FBF-A1A0-4009669A00BF}" type="datetime1">
               <a:rPr lang="en-US" smtClean="0"/>
-              <a:t>11/26/2018</a:t>
+              <a:t>12/4/18</a:t>
             </a:fld>
             <a:endParaRPr lang="en-US" dirty="0"/>
           </a:p>
@@ -3812,7 +3814,7 @@
           <a:p>
             <a:fld id="{C50FD434-5945-4FAF-A8C0-DAE9905532CE}" type="datetimeFigureOut">
               <a:rPr lang="en-US" smtClean="0"/>
-              <a:t>11/26/2018</a:t>
+              <a:t>12/4/18</a:t>
             </a:fld>
             <a:endParaRPr lang="en-US"/>
           </a:p>
@@ -4060,7 +4062,7 @@
           <a:p>
             <a:fld id="{7579E8B6-2F47-420B-83EA-EB2285D13EC9}" type="datetime1">
               <a:rPr lang="en-US" smtClean="0"/>
-              <a:t>11/26/2018</a:t>
+              <a:t>12/4/18</a:t>
             </a:fld>
             <a:endParaRPr lang="en-US" dirty="0"/>
           </a:p>
@@ -4458,7 +4460,7 @@
           <a:p>
             <a:fld id="{2304803D-B10E-4B90-8456-A0E05393E233}" type="datetime1">
               <a:rPr lang="en-US" smtClean="0"/>
-              <a:t>11/26/2018</a:t>
+              <a:t>12/4/18</a:t>
             </a:fld>
             <a:endParaRPr lang="en-US" dirty="0"/>
           </a:p>
@@ -4592,7 +4594,7 @@
           <a:p>
             <a:fld id="{CCE1E62F-6CCE-4064-96C2-2084AF883904}" type="datetime1">
               <a:rPr lang="en-US" smtClean="0"/>
-              <a:t>11/26/2018</a:t>
+              <a:t>12/4/18</a:t>
             </a:fld>
             <a:endParaRPr lang="en-US" dirty="0"/>
           </a:p>
@@ -4703,7 +4705,7 @@
           <a:p>
             <a:fld id="{AA615CA6-EC4D-4728-8AA6-534BE7E9B67C}" type="datetime1">
               <a:rPr lang="en-US" smtClean="0"/>
-              <a:t>11/26/2018</a:t>
+              <a:t>12/4/18</a:t>
             </a:fld>
             <a:endParaRPr lang="en-US" dirty="0"/>
           </a:p>
@@ -4974,7 +4976,7 @@
           <a:p>
             <a:fld id="{A6139942-0A2E-443A-842F-D6DE74360370}" type="datetime1">
               <a:rPr lang="en-US" smtClean="0"/>
-              <a:t>11/26/2018</a:t>
+              <a:t>12/4/18</a:t>
             </a:fld>
             <a:endParaRPr lang="en-US" dirty="0"/>
           </a:p>
@@ -5273,7 +5275,7 @@
           <a:p>
             <a:fld id="{C50FD434-5945-4FAF-A8C0-DAE9905532CE}" type="datetimeFigureOut">
               <a:rPr lang="en-US" smtClean="0"/>
-              <a:t>11/26/2018</a:t>
+              <a:t>12/4/18</a:t>
             </a:fld>
             <a:endParaRPr lang="en-US"/>
           </a:p>
@@ -5743,7 +5745,7 @@
           <a:p>
             <a:fld id="{3F138946-C5C1-4A11-BA69-F12F43F8A94B}" type="datetime1">
               <a:rPr lang="en-US" smtClean="0"/>
-              <a:t>11/26/2018</a:t>
+              <a:t>12/4/18</a:t>
             </a:fld>
             <a:endParaRPr lang="en-US" dirty="0"/>
           </a:p>
@@ -6473,6 +6475,211 @@
     <p:extLst>
       <p:ext uri="{BB962C8B-B14F-4D97-AF65-F5344CB8AC3E}">
         <p14:creationId xmlns:p14="http://schemas.microsoft.com/office/powerpoint/2010/main" val="775033941"/>
+      </p:ext>
+    </p:extLst>
+  </p:cSld>
+  <p:clrMapOvr>
+    <a:masterClrMapping/>
+  </p:clrMapOvr>
+  <mc:AlternateContent xmlns:mc="http://schemas.openxmlformats.org/markup-compatibility/2006" xmlns:p14="http://schemas.microsoft.com/office/powerpoint/2010/main">
+    <mc:Choice Requires="p14">
+      <p:transition spd="med" p14:dur="700">
+        <p:fade/>
+      </p:transition>
+    </mc:Choice>
+    <mc:Fallback xmlns="">
+      <p:transition spd="med">
+        <p:fade/>
+      </p:transition>
+    </mc:Fallback>
+  </mc:AlternateContent>
+</p:sld>
+</file>
+
+<file path=ppt/slides/slide10.xml><?xml version="1.0" encoding="utf-8"?>
+<p:sld xmlns:a="http://schemas.openxmlformats.org/drawingml/2006/main" xmlns:r="http://schemas.openxmlformats.org/officeDocument/2006/relationships" xmlns:p="http://schemas.openxmlformats.org/presentationml/2006/main">
+  <p:cSld>
+    <p:spTree>
+      <p:nvGrpSpPr>
+        <p:cNvPr id="1" name=""/>
+        <p:cNvGrpSpPr/>
+        <p:nvPr/>
+      </p:nvGrpSpPr>
+      <p:grpSpPr>
+        <a:xfrm>
+          <a:off x="0" y="0"/>
+          <a:ext cx="0" cy="0"/>
+          <a:chOff x="0" y="0"/>
+          <a:chExt cx="0" cy="0"/>
+        </a:xfrm>
+      </p:grpSpPr>
+      <p:sp>
+        <p:nvSpPr>
+          <p:cNvPr id="3" name="Title 2">
+            <a:extLst>
+              <a:ext uri="{FF2B5EF4-FFF2-40B4-BE49-F238E27FC236}">
+                <a16:creationId xmlns:a16="http://schemas.microsoft.com/office/drawing/2014/main" id="{C5692C62-48B0-C24E-B8D4-1902C7227907}"/>
+              </a:ext>
+            </a:extLst>
+          </p:cNvPr>
+          <p:cNvSpPr>
+            <a:spLocks noGrp="1"/>
+          </p:cNvSpPr>
+          <p:nvPr>
+            <p:ph type="title"/>
+          </p:nvPr>
+        </p:nvSpPr>
+        <p:spPr/>
+        <p:txBody>
+          <a:bodyPr/>
+          <a:lstStyle/>
+          <a:p>
+            <a:r>
+              <a:rPr lang="en-US" dirty="0"/>
+              <a:t>Multiview Drawing #15</a:t>
+            </a:r>
+          </a:p>
+        </p:txBody>
+      </p:sp>
+      <p:sp>
+        <p:nvSpPr>
+          <p:cNvPr id="4" name="Text Placeholder 3">
+            <a:extLst>
+              <a:ext uri="{FF2B5EF4-FFF2-40B4-BE49-F238E27FC236}">
+                <a16:creationId xmlns:a16="http://schemas.microsoft.com/office/drawing/2014/main" id="{972D09E7-B3DF-DC4F-A0BA-D6F05C9C487C}"/>
+              </a:ext>
+            </a:extLst>
+          </p:cNvPr>
+          <p:cNvSpPr>
+            <a:spLocks noGrp="1"/>
+          </p:cNvSpPr>
+          <p:nvPr>
+            <p:ph type="body" idx="1"/>
+          </p:nvPr>
+        </p:nvSpPr>
+        <p:spPr/>
+        <p:txBody>
+          <a:bodyPr/>
+          <a:lstStyle/>
+          <a:p>
+            <a:r>
+              <a:rPr lang="en-US" dirty="0"/>
+              <a:t>Multiview Drawing Unit</a:t>
+            </a:r>
+          </a:p>
+        </p:txBody>
+      </p:sp>
+      <p:sp>
+        <p:nvSpPr>
+          <p:cNvPr id="2" name="Footer Placeholder 1">
+            <a:extLst>
+              <a:ext uri="{FF2B5EF4-FFF2-40B4-BE49-F238E27FC236}">
+                <a16:creationId xmlns:a16="http://schemas.microsoft.com/office/drawing/2014/main" id="{1593ABE7-D816-134E-A4EF-B7A1F206C888}"/>
+              </a:ext>
+            </a:extLst>
+          </p:cNvPr>
+          <p:cNvSpPr>
+            <a:spLocks noGrp="1"/>
+          </p:cNvSpPr>
+          <p:nvPr>
+            <p:ph type="ftr" sz="quarter" idx="11"/>
+          </p:nvPr>
+        </p:nvSpPr>
+        <p:spPr/>
+        <p:txBody>
+          <a:bodyPr/>
+          <a:lstStyle/>
+          <a:p>
+            <a:r>
+              <a:rPr lang="en-US"/>
+              <a:t>Add a footer</a:t>
+            </a:r>
+            <a:endParaRPr lang="en-US" dirty="0"/>
+          </a:p>
+        </p:txBody>
+      </p:sp>
+    </p:spTree>
+    <p:extLst>
+      <p:ext uri="{BB962C8B-B14F-4D97-AF65-F5344CB8AC3E}">
+        <p14:creationId xmlns:p14="http://schemas.microsoft.com/office/powerpoint/2010/main" val="2767710057"/>
+      </p:ext>
+    </p:extLst>
+  </p:cSld>
+  <p:clrMapOvr>
+    <a:masterClrMapping/>
+  </p:clrMapOvr>
+  <mc:AlternateContent xmlns:mc="http://schemas.openxmlformats.org/markup-compatibility/2006" xmlns:p14="http://schemas.microsoft.com/office/powerpoint/2010/main">
+    <mc:Choice Requires="p14">
+      <p:transition spd="med" p14:dur="700">
+        <p:fade/>
+      </p:transition>
+    </mc:Choice>
+    <mc:Fallback xmlns="">
+      <p:transition spd="med">
+        <p:fade/>
+      </p:transition>
+    </mc:Fallback>
+  </mc:AlternateContent>
+</p:sld>
+</file>
+
+<file path=ppt/slides/slide11.xml><?xml version="1.0" encoding="utf-8"?>
+<p:sld xmlns:a="http://schemas.openxmlformats.org/drawingml/2006/main" xmlns:r="http://schemas.openxmlformats.org/officeDocument/2006/relationships" xmlns:p="http://schemas.openxmlformats.org/presentationml/2006/main">
+  <p:cSld>
+    <p:spTree>
+      <p:nvGrpSpPr>
+        <p:cNvPr id="1" name=""/>
+        <p:cNvGrpSpPr/>
+        <p:nvPr/>
+      </p:nvGrpSpPr>
+      <p:grpSpPr>
+        <a:xfrm>
+          <a:off x="0" y="0"/>
+          <a:ext cx="0" cy="0"/>
+          <a:chOff x="0" y="0"/>
+          <a:chExt cx="0" cy="0"/>
+        </a:xfrm>
+      </p:grpSpPr>
+      <p:pic>
+        <p:nvPicPr>
+          <p:cNvPr id="6" name="Picture 5">
+            <a:extLst>
+              <a:ext uri="{FF2B5EF4-FFF2-40B4-BE49-F238E27FC236}">
+                <a16:creationId xmlns:a16="http://schemas.microsoft.com/office/drawing/2014/main" id="{00D907AC-5F83-374C-A02D-666DE9BB635B}"/>
+              </a:ext>
+            </a:extLst>
+          </p:cNvPr>
+          <p:cNvPicPr>
+            <a:picLocks noChangeAspect="1"/>
+          </p:cNvPicPr>
+          <p:nvPr/>
+        </p:nvPicPr>
+        <p:blipFill>
+          <a:blip r:embed="rId2">
+            <a:extLst>
+              <a:ext uri="{28A0092B-C50C-407E-A947-70E740481C1C}">
+                <a14:useLocalDpi xmlns:a14="http://schemas.microsoft.com/office/drawing/2010/main" val="0"/>
+              </a:ext>
+            </a:extLst>
+          </a:blip>
+          <a:stretch>
+            <a:fillRect/>
+          </a:stretch>
+        </p:blipFill>
+        <p:spPr>
+          <a:xfrm>
+            <a:off x="1304144" y="23470"/>
+            <a:ext cx="9623686" cy="6809364"/>
+          </a:xfrm>
+          <a:prstGeom prst="rect">
+            <a:avLst/>
+          </a:prstGeom>
+        </p:spPr>
+      </p:pic>
+    </p:spTree>
+    <p:extLst>
+      <p:ext uri="{BB962C8B-B14F-4D97-AF65-F5344CB8AC3E}">
+        <p14:creationId xmlns:p14="http://schemas.microsoft.com/office/powerpoint/2010/main" val="662396361"/>
       </p:ext>
     </p:extLst>
   </p:cSld>

--- a/High School/Design and Drawing for Production/Unit 6 - Multiview Drawing/Section 1 - Intro Multiview Drawings/Assets/U6S1 - Intro Multiview.pptx
+++ b/High School/Design and Drawing for Production/Unit 6 - Multiview Drawing/Section 1 - Intro Multiview Drawings/Assets/U6S1 - Intro Multiview.pptx
@@ -5,10 +5,10 @@
     <p:sldMasterId id="2147483735" r:id="rId1"/>
   </p:sldMasterIdLst>
   <p:notesMasterIdLst>
-    <p:notesMasterId r:id="rId13"/>
+    <p:notesMasterId r:id="rId16"/>
   </p:notesMasterIdLst>
   <p:handoutMasterIdLst>
-    <p:handoutMasterId r:id="rId14"/>
+    <p:handoutMasterId r:id="rId17"/>
   </p:handoutMasterIdLst>
   <p:sldIdLst>
     <p:sldId id="275" r:id="rId2"/>
@@ -20,8 +20,11 @@
     <p:sldId id="272" r:id="rId8"/>
     <p:sldId id="273" r:id="rId9"/>
     <p:sldId id="278" r:id="rId10"/>
-    <p:sldId id="279" r:id="rId11"/>
-    <p:sldId id="280" r:id="rId12"/>
+    <p:sldId id="281" r:id="rId11"/>
+    <p:sldId id="282" r:id="rId12"/>
+    <p:sldId id="283" r:id="rId13"/>
+    <p:sldId id="279" r:id="rId14"/>
+    <p:sldId id="280" r:id="rId15"/>
   </p:sldIdLst>
   <p:sldSz cx="12192000" cy="6858000"/>
   <p:notesSz cx="6858000" cy="9144000"/>
@@ -6515,6 +6518,838 @@
       </p:grpSpPr>
       <p:sp>
         <p:nvSpPr>
+          <p:cNvPr id="2" name="Footer Placeholder 1">
+            <a:extLst>
+              <a:ext uri="{FF2B5EF4-FFF2-40B4-BE49-F238E27FC236}">
+                <a16:creationId xmlns:a16="http://schemas.microsoft.com/office/drawing/2014/main" id="{EDCDC379-6C88-48CA-A6AE-B4056F03723D}"/>
+              </a:ext>
+            </a:extLst>
+          </p:cNvPr>
+          <p:cNvSpPr>
+            <a:spLocks noGrp="1"/>
+          </p:cNvSpPr>
+          <p:nvPr>
+            <p:ph type="ftr" sz="quarter" idx="11"/>
+          </p:nvPr>
+        </p:nvSpPr>
+        <p:spPr/>
+        <p:txBody>
+          <a:bodyPr/>
+          <a:lstStyle/>
+          <a:p>
+            <a:r>
+              <a:rPr lang="en-US"/>
+              <a:t>Add a footer</a:t>
+            </a:r>
+            <a:endParaRPr lang="en-US" dirty="0"/>
+          </a:p>
+        </p:txBody>
+      </p:sp>
+      <p:pic>
+        <p:nvPicPr>
+          <p:cNvPr id="3" name="Picture 2">
+            <a:extLst>
+              <a:ext uri="{FF2B5EF4-FFF2-40B4-BE49-F238E27FC236}">
+                <a16:creationId xmlns:a16="http://schemas.microsoft.com/office/drawing/2014/main" id="{C42B5630-B873-094A-9A21-ED684D29A3C5}"/>
+              </a:ext>
+            </a:extLst>
+          </p:cNvPr>
+          <p:cNvPicPr>
+            <a:picLocks noChangeAspect="1"/>
+          </p:cNvPicPr>
+          <p:nvPr/>
+        </p:nvPicPr>
+        <p:blipFill>
+          <a:blip r:embed="rId2"/>
+          <a:stretch>
+            <a:fillRect/>
+          </a:stretch>
+        </p:blipFill>
+        <p:spPr>
+          <a:xfrm>
+            <a:off x="1696387" y="129290"/>
+            <a:ext cx="8799226" cy="6599420"/>
+          </a:xfrm>
+          <a:prstGeom prst="rect">
+            <a:avLst/>
+          </a:prstGeom>
+        </p:spPr>
+      </p:pic>
+    </p:spTree>
+    <p:extLst>
+      <p:ext uri="{BB962C8B-B14F-4D97-AF65-F5344CB8AC3E}">
+        <p14:creationId xmlns:p14="http://schemas.microsoft.com/office/powerpoint/2010/main" val="3320902406"/>
+      </p:ext>
+    </p:extLst>
+  </p:cSld>
+  <p:clrMapOvr>
+    <a:masterClrMapping/>
+  </p:clrMapOvr>
+  <mc:AlternateContent xmlns:mc="http://schemas.openxmlformats.org/markup-compatibility/2006" xmlns:p14="http://schemas.microsoft.com/office/powerpoint/2010/main">
+    <mc:Choice Requires="p14">
+      <p:transition spd="med" p14:dur="700">
+        <p:fade/>
+      </p:transition>
+    </mc:Choice>
+    <mc:Fallback xmlns="">
+      <p:transition spd="med">
+        <p:fade/>
+      </p:transition>
+    </mc:Fallback>
+  </mc:AlternateContent>
+</p:sld>
+</file>
+
+<file path=ppt/slides/slide11.xml><?xml version="1.0" encoding="utf-8"?>
+<p:sld xmlns:a="http://schemas.openxmlformats.org/drawingml/2006/main" xmlns:r="http://schemas.openxmlformats.org/officeDocument/2006/relationships" xmlns:p="http://schemas.openxmlformats.org/presentationml/2006/main">
+  <p:cSld>
+    <p:spTree>
+      <p:nvGrpSpPr>
+        <p:cNvPr id="1" name=""/>
+        <p:cNvGrpSpPr/>
+        <p:nvPr/>
+      </p:nvGrpSpPr>
+      <p:grpSpPr>
+        <a:xfrm>
+          <a:off x="0" y="0"/>
+          <a:ext cx="0" cy="0"/>
+          <a:chOff x="0" y="0"/>
+          <a:chExt cx="0" cy="0"/>
+        </a:xfrm>
+      </p:grpSpPr>
+      <p:sp>
+        <p:nvSpPr>
+          <p:cNvPr id="2" name="Footer Placeholder 1">
+            <a:extLst>
+              <a:ext uri="{FF2B5EF4-FFF2-40B4-BE49-F238E27FC236}">
+                <a16:creationId xmlns:a16="http://schemas.microsoft.com/office/drawing/2014/main" id="{EDCDC379-6C88-48CA-A6AE-B4056F03723D}"/>
+              </a:ext>
+            </a:extLst>
+          </p:cNvPr>
+          <p:cNvSpPr>
+            <a:spLocks noGrp="1"/>
+          </p:cNvSpPr>
+          <p:nvPr>
+            <p:ph type="ftr" sz="quarter" idx="11"/>
+          </p:nvPr>
+        </p:nvSpPr>
+        <p:spPr/>
+        <p:txBody>
+          <a:bodyPr/>
+          <a:lstStyle/>
+          <a:p>
+            <a:r>
+              <a:rPr lang="en-US"/>
+              <a:t>Add a footer</a:t>
+            </a:r>
+            <a:endParaRPr lang="en-US" dirty="0"/>
+          </a:p>
+        </p:txBody>
+      </p:sp>
+      <p:pic>
+        <p:nvPicPr>
+          <p:cNvPr id="4" name="Picture 3">
+            <a:extLst>
+              <a:ext uri="{FF2B5EF4-FFF2-40B4-BE49-F238E27FC236}">
+                <a16:creationId xmlns:a16="http://schemas.microsoft.com/office/drawing/2014/main" id="{5D80757C-4417-DE41-90B2-B0F4025CC996}"/>
+              </a:ext>
+            </a:extLst>
+          </p:cNvPr>
+          <p:cNvPicPr>
+            <a:picLocks noChangeAspect="1"/>
+          </p:cNvPicPr>
+          <p:nvPr/>
+        </p:nvPicPr>
+        <p:blipFill>
+          <a:blip r:embed="rId2"/>
+          <a:stretch>
+            <a:fillRect/>
+          </a:stretch>
+        </p:blipFill>
+        <p:spPr>
+          <a:xfrm>
+            <a:off x="1649630" y="94222"/>
+            <a:ext cx="8892740" cy="6669555"/>
+          </a:xfrm>
+          <a:prstGeom prst="rect">
+            <a:avLst/>
+          </a:prstGeom>
+        </p:spPr>
+      </p:pic>
+    </p:spTree>
+    <p:extLst>
+      <p:ext uri="{BB962C8B-B14F-4D97-AF65-F5344CB8AC3E}">
+        <p14:creationId xmlns:p14="http://schemas.microsoft.com/office/powerpoint/2010/main" val="2257296015"/>
+      </p:ext>
+    </p:extLst>
+  </p:cSld>
+  <p:clrMapOvr>
+    <a:masterClrMapping/>
+  </p:clrMapOvr>
+  <mc:AlternateContent xmlns:mc="http://schemas.openxmlformats.org/markup-compatibility/2006" xmlns:p14="http://schemas.microsoft.com/office/powerpoint/2010/main">
+    <mc:Choice Requires="p14">
+      <p:transition spd="med" p14:dur="700">
+        <p:fade/>
+      </p:transition>
+    </mc:Choice>
+    <mc:Fallback xmlns="">
+      <p:transition spd="med">
+        <p:fade/>
+      </p:transition>
+    </mc:Fallback>
+  </mc:AlternateContent>
+</p:sld>
+</file>
+
+<file path=ppt/slides/slide12.xml><?xml version="1.0" encoding="utf-8"?>
+<p:sld xmlns:a="http://schemas.openxmlformats.org/drawingml/2006/main" xmlns:r="http://schemas.openxmlformats.org/officeDocument/2006/relationships" xmlns:p="http://schemas.openxmlformats.org/presentationml/2006/main">
+  <p:cSld>
+    <p:bg>
+      <p:bgPr>
+        <a:gradFill rotWithShape="1">
+          <a:gsLst>
+            <a:gs pos="10000">
+              <a:schemeClr val="bg1">
+                <a:tint val="97000"/>
+                <a:hueMod val="92000"/>
+                <a:satMod val="169000"/>
+                <a:lumMod val="164000"/>
+              </a:schemeClr>
+            </a:gs>
+            <a:gs pos="100000">
+              <a:schemeClr val="bg1">
+                <a:shade val="96000"/>
+                <a:satMod val="120000"/>
+                <a:lumMod val="90000"/>
+              </a:schemeClr>
+            </a:gs>
+          </a:gsLst>
+          <a:lin ang="6120000" scaled="1"/>
+        </a:gradFill>
+        <a:effectLst/>
+      </p:bgPr>
+    </p:bg>
+    <p:spTree>
+      <p:nvGrpSpPr>
+        <p:cNvPr id="1" name=""/>
+        <p:cNvGrpSpPr/>
+        <p:nvPr/>
+      </p:nvGrpSpPr>
+      <p:grpSpPr>
+        <a:xfrm>
+          <a:off x="0" y="0"/>
+          <a:ext cx="0" cy="0"/>
+          <a:chOff x="0" y="0"/>
+          <a:chExt cx="0" cy="0"/>
+        </a:xfrm>
+      </p:grpSpPr>
+      <p:sp useBgFill="1">
+        <p:nvSpPr>
+          <p:cNvPr id="9" name="Rectangle 8">
+            <a:extLst>
+              <a:ext uri="{FF2B5EF4-FFF2-40B4-BE49-F238E27FC236}">
+                <a16:creationId xmlns:a16="http://schemas.microsoft.com/office/drawing/2014/main" id="{CADF2543-1B6F-4FBC-A7AF-53A0430E05AB}"/>
+              </a:ext>
+              <a:ext uri="{C183D7F6-B498-43B3-948B-1728B52AA6E4}">
+                <adec:decorative xmlns:adec="http://schemas.microsoft.com/office/drawing/2017/decorative" val="1"/>
+              </a:ext>
+            </a:extLst>
+          </p:cNvPr>
+          <p:cNvSpPr>
+            <a:spLocks noGrp="1" noRot="1" noChangeAspect="1" noMove="1" noResize="1" noEditPoints="1" noAdjustHandles="1" noChangeArrowheads="1" noChangeShapeType="1" noTextEdit="1"/>
+          </p:cNvSpPr>
+          <p:nvPr>
+            <p:extLst>
+              <p:ext uri="{386F3935-93C4-4BCD-93E2-E3B085C9AB24}">
+                <p16:designElem xmlns:p16="http://schemas.microsoft.com/office/powerpoint/2015/main" val="1"/>
+              </p:ext>
+            </p:extLst>
+          </p:nvPr>
+        </p:nvSpPr>
+        <p:spPr>
+          <a:xfrm>
+            <a:off x="0" y="0"/>
+            <a:ext cx="12192000" cy="6858000"/>
+          </a:xfrm>
+          <a:prstGeom prst="rect">
+            <a:avLst/>
+          </a:prstGeom>
+          <a:ln>
+            <a:noFill/>
+          </a:ln>
+        </p:spPr>
+        <p:style>
+          <a:lnRef idx="2">
+            <a:schemeClr val="accent1">
+              <a:shade val="50000"/>
+            </a:schemeClr>
+          </a:lnRef>
+          <a:fillRef idx="1">
+            <a:schemeClr val="accent1"/>
+          </a:fillRef>
+          <a:effectRef idx="0">
+            <a:schemeClr val="accent1"/>
+          </a:effectRef>
+          <a:fontRef idx="minor">
+            <a:schemeClr val="lt1"/>
+          </a:fontRef>
+        </p:style>
+        <p:txBody>
+          <a:bodyPr rtlCol="0" anchor="ctr"/>
+          <a:lstStyle/>
+          <a:p>
+            <a:pPr algn="ctr"/>
+            <a:endParaRPr lang="en-US"/>
+          </a:p>
+        </p:txBody>
+      </p:sp>
+      <p:sp>
+        <p:nvSpPr>
+          <p:cNvPr id="3" name="Title 2">
+            <a:extLst>
+              <a:ext uri="{FF2B5EF4-FFF2-40B4-BE49-F238E27FC236}">
+                <a16:creationId xmlns:a16="http://schemas.microsoft.com/office/drawing/2014/main" id="{CF0428B3-C875-7A4D-ADE1-EFC247D2C59F}"/>
+              </a:ext>
+            </a:extLst>
+          </p:cNvPr>
+          <p:cNvSpPr>
+            <a:spLocks noGrp="1"/>
+          </p:cNvSpPr>
+          <p:nvPr>
+            <p:ph type="title"/>
+          </p:nvPr>
+        </p:nvSpPr>
+        <p:spPr>
+          <a:xfrm>
+            <a:off x="684212" y="485244"/>
+            <a:ext cx="8534400" cy="1507067"/>
+          </a:xfrm>
+        </p:spPr>
+        <p:txBody>
+          <a:bodyPr>
+            <a:normAutofit/>
+          </a:bodyPr>
+          <a:lstStyle/>
+          <a:p>
+            <a:r>
+              <a:rPr lang="en-US" dirty="0"/>
+              <a:t>Laying out and finishing</a:t>
+            </a:r>
+          </a:p>
+        </p:txBody>
+      </p:sp>
+      <p:sp>
+        <p:nvSpPr>
+          <p:cNvPr id="4" name="Content Placeholder 3">
+            <a:extLst>
+              <a:ext uri="{FF2B5EF4-FFF2-40B4-BE49-F238E27FC236}">
+                <a16:creationId xmlns:a16="http://schemas.microsoft.com/office/drawing/2014/main" id="{2347C661-2C60-9141-85A0-37FE638D1E61}"/>
+              </a:ext>
+            </a:extLst>
+          </p:cNvPr>
+          <p:cNvSpPr>
+            <a:spLocks noGrp="1"/>
+          </p:cNvSpPr>
+          <p:nvPr>
+            <p:ph idx="1"/>
+          </p:nvPr>
+        </p:nvSpPr>
+        <p:spPr>
+          <a:xfrm>
+            <a:off x="684212" y="2068511"/>
+            <a:ext cx="8534400" cy="3615267"/>
+          </a:xfrm>
+        </p:spPr>
+        <p:txBody>
+          <a:bodyPr>
+            <a:normAutofit/>
+          </a:bodyPr>
+          <a:lstStyle/>
+          <a:p>
+            <a:pPr marL="457200" indent="-457200">
+              <a:buFont typeface="+mj-lt"/>
+              <a:buAutoNum type="arabicPeriod"/>
+            </a:pPr>
+            <a:r>
+              <a:rPr lang="en-US">
+                <a:solidFill>
+                  <a:schemeClr val="tx1"/>
+                </a:solidFill>
+              </a:rPr>
+              <a:t>Draw light construction lines to start</a:t>
+            </a:r>
+          </a:p>
+          <a:p>
+            <a:pPr marL="457200" indent="-457200">
+              <a:buFont typeface="+mj-lt"/>
+              <a:buAutoNum type="arabicPeriod"/>
+            </a:pPr>
+            <a:r>
+              <a:rPr lang="en-US">
+                <a:solidFill>
+                  <a:schemeClr val="tx1"/>
+                </a:solidFill>
+              </a:rPr>
+              <a:t>Check measurements carefully using construction lines and ticks</a:t>
+            </a:r>
+          </a:p>
+          <a:p>
+            <a:pPr marL="457200" indent="-457200">
+              <a:buFont typeface="+mj-lt"/>
+              <a:buAutoNum type="arabicPeriod"/>
+            </a:pPr>
+            <a:r>
+              <a:rPr lang="en-US">
+                <a:solidFill>
+                  <a:schemeClr val="tx1"/>
+                </a:solidFill>
+              </a:rPr>
+              <a:t>Check for any missing lines while laying out the objects and views</a:t>
+            </a:r>
+          </a:p>
+          <a:p>
+            <a:pPr marL="457200" indent="-457200">
+              <a:buFont typeface="+mj-lt"/>
+              <a:buAutoNum type="arabicPeriod"/>
+            </a:pPr>
+            <a:r>
+              <a:rPr lang="en-US">
+                <a:solidFill>
+                  <a:schemeClr val="tx1"/>
+                </a:solidFill>
+              </a:rPr>
+              <a:t>Remove any not needed construction lines</a:t>
+            </a:r>
+          </a:p>
+          <a:p>
+            <a:pPr marL="457200" indent="-457200">
+              <a:buFont typeface="+mj-lt"/>
+              <a:buAutoNum type="arabicPeriod"/>
+            </a:pPr>
+            <a:r>
+              <a:rPr lang="en-US">
+                <a:solidFill>
+                  <a:schemeClr val="tx1"/>
+                </a:solidFill>
+              </a:rPr>
+              <a:t>Darken in lines</a:t>
+            </a:r>
+          </a:p>
+          <a:p>
+            <a:pPr marL="457200" indent="-457200">
+              <a:buFont typeface="+mj-lt"/>
+              <a:buAutoNum type="arabicPeriod"/>
+            </a:pPr>
+            <a:r>
+              <a:rPr lang="en-US">
+                <a:solidFill>
+                  <a:schemeClr val="tx1"/>
+                </a:solidFill>
+              </a:rPr>
+              <a:t>Letter notes and title block</a:t>
+            </a:r>
+          </a:p>
+          <a:p>
+            <a:pPr marL="457200" indent="-457200">
+              <a:buFont typeface="+mj-lt"/>
+              <a:buAutoNum type="arabicPeriod"/>
+            </a:pPr>
+            <a:r>
+              <a:rPr lang="en-US">
+                <a:solidFill>
+                  <a:schemeClr val="tx1"/>
+                </a:solidFill>
+              </a:rPr>
+              <a:t>Check finished drawing carefully</a:t>
+            </a:r>
+          </a:p>
+        </p:txBody>
+      </p:sp>
+      <p:sp>
+        <p:nvSpPr>
+          <p:cNvPr id="2" name="Footer Placeholder 1">
+            <a:extLst>
+              <a:ext uri="{FF2B5EF4-FFF2-40B4-BE49-F238E27FC236}">
+                <a16:creationId xmlns:a16="http://schemas.microsoft.com/office/drawing/2014/main" id="{C5D3EB53-DD21-D749-8EC4-49E19AF569FA}"/>
+              </a:ext>
+            </a:extLst>
+          </p:cNvPr>
+          <p:cNvSpPr>
+            <a:spLocks noGrp="1"/>
+          </p:cNvSpPr>
+          <p:nvPr>
+            <p:ph type="ftr" sz="quarter" idx="11"/>
+          </p:nvPr>
+        </p:nvSpPr>
+        <p:spPr>
+          <a:xfrm>
+            <a:off x="684212" y="6172200"/>
+            <a:ext cx="7543800" cy="365125"/>
+          </a:xfrm>
+        </p:spPr>
+        <p:txBody>
+          <a:bodyPr>
+            <a:normAutofit/>
+          </a:bodyPr>
+          <a:lstStyle/>
+          <a:p>
+            <a:pPr>
+              <a:spcAft>
+                <a:spcPts val="600"/>
+              </a:spcAft>
+            </a:pPr>
+            <a:r>
+              <a:rPr lang="en-US">
+                <a:solidFill>
+                  <a:schemeClr val="tx1"/>
+                </a:solidFill>
+              </a:rPr>
+              <a:t>Add a footer</a:t>
+            </a:r>
+          </a:p>
+        </p:txBody>
+      </p:sp>
+      <p:grpSp>
+        <p:nvGrpSpPr>
+          <p:cNvPr id="11" name="Group 10">
+            <a:extLst>
+              <a:ext uri="{FF2B5EF4-FFF2-40B4-BE49-F238E27FC236}">
+                <a16:creationId xmlns:a16="http://schemas.microsoft.com/office/drawing/2014/main" id="{A80A6E81-6B71-43DF-877B-E964A9A4CB68}"/>
+              </a:ext>
+              <a:ext uri="{C183D7F6-B498-43B3-948B-1728B52AA6E4}">
+                <adec:decorative xmlns:adec="http://schemas.microsoft.com/office/drawing/2017/decorative" val="1"/>
+              </a:ext>
+            </a:extLst>
+          </p:cNvPr>
+          <p:cNvGrpSpPr>
+            <a:grpSpLocks noGrp="1" noUngrp="1" noRot="1" noChangeAspect="1" noMove="1" noResize="1"/>
+          </p:cNvGrpSpPr>
+          <p:nvPr>
+            <p:extLst>
+              <p:ext uri="{386F3935-93C4-4BCD-93E2-E3B085C9AB24}">
+                <p16:designElem xmlns:p16="http://schemas.microsoft.com/office/powerpoint/2015/main" val="1"/>
+              </p:ext>
+            </p:extLst>
+          </p:nvPr>
+        </p:nvGrpSpPr>
+        <p:grpSpPr>
+          <a:xfrm>
+            <a:off x="9206969" y="2963333"/>
+            <a:ext cx="2981858" cy="3208867"/>
+            <a:chOff x="9206969" y="2963333"/>
+            <a:chExt cx="2981858" cy="3208867"/>
+          </a:xfrm>
+        </p:grpSpPr>
+        <p:cxnSp>
+          <p:nvCxnSpPr>
+            <p:cNvPr id="12" name="Straight Connector 11">
+              <a:extLst>
+                <a:ext uri="{FF2B5EF4-FFF2-40B4-BE49-F238E27FC236}">
+                  <a16:creationId xmlns:a16="http://schemas.microsoft.com/office/drawing/2014/main" id="{4E35C3AD-357F-4004-A3F3-2D4EAF34A63D}"/>
+                </a:ext>
+                <a:ext uri="{C183D7F6-B498-43B3-948B-1728B52AA6E4}">
+                  <adec:decorative xmlns:adec="http://schemas.microsoft.com/office/drawing/2017/decorative" val="1"/>
+                </a:ext>
+              </a:extLst>
+            </p:cNvPr>
+            <p:cNvCxnSpPr/>
+            <p:nvPr>
+              <p:extLst>
+                <p:ext uri="{386F3935-93C4-4BCD-93E2-E3B085C9AB24}">
+                  <p16:designElem xmlns:p16="http://schemas.microsoft.com/office/powerpoint/2015/main" val="1"/>
+                </p:ext>
+              </p:extLst>
+            </p:nvPr>
+          </p:nvCxnSpPr>
+          <p:spPr>
+            <a:xfrm flipH="1">
+              <a:off x="11276012" y="2963333"/>
+              <a:ext cx="912814" cy="912812"/>
+            </a:xfrm>
+            <a:prstGeom prst="line">
+              <a:avLst/>
+            </a:prstGeom>
+            <a:ln w="9525">
+              <a:solidFill>
+                <a:schemeClr val="tx2">
+                  <a:lumMod val="75000"/>
+                  <a:alpha val="80000"/>
+                </a:schemeClr>
+              </a:solidFill>
+            </a:ln>
+          </p:spPr>
+          <p:style>
+            <a:lnRef idx="2">
+              <a:schemeClr val="accent1"/>
+            </a:lnRef>
+            <a:fillRef idx="0">
+              <a:schemeClr val="accent1"/>
+            </a:fillRef>
+            <a:effectRef idx="1">
+              <a:schemeClr val="accent1"/>
+            </a:effectRef>
+            <a:fontRef idx="minor">
+              <a:schemeClr val="tx1"/>
+            </a:fontRef>
+          </p:style>
+        </p:cxnSp>
+        <p:cxnSp>
+          <p:nvCxnSpPr>
+            <p:cNvPr id="13" name="Straight Connector 12">
+              <a:extLst>
+                <a:ext uri="{FF2B5EF4-FFF2-40B4-BE49-F238E27FC236}">
+                  <a16:creationId xmlns:a16="http://schemas.microsoft.com/office/drawing/2014/main" id="{337B6032-0A70-4F26-A9A3-B4D60DF11818}"/>
+                </a:ext>
+                <a:ext uri="{C183D7F6-B498-43B3-948B-1728B52AA6E4}">
+                  <adec:decorative xmlns:adec="http://schemas.microsoft.com/office/drawing/2017/decorative" val="1"/>
+                </a:ext>
+              </a:extLst>
+            </p:cNvPr>
+            <p:cNvCxnSpPr/>
+            <p:nvPr>
+              <p:extLst>
+                <p:ext uri="{386F3935-93C4-4BCD-93E2-E3B085C9AB24}">
+                  <p16:designElem xmlns:p16="http://schemas.microsoft.com/office/powerpoint/2015/main" val="1"/>
+                </p:ext>
+              </p:extLst>
+            </p:nvPr>
+          </p:nvCxnSpPr>
+          <p:spPr>
+            <a:xfrm flipH="1">
+              <a:off x="9206969" y="3190344"/>
+              <a:ext cx="2981857" cy="2981856"/>
+            </a:xfrm>
+            <a:prstGeom prst="line">
+              <a:avLst/>
+            </a:prstGeom>
+            <a:ln w="9525">
+              <a:solidFill>
+                <a:schemeClr val="tx2">
+                  <a:lumMod val="75000"/>
+                  <a:alpha val="80000"/>
+                </a:schemeClr>
+              </a:solidFill>
+            </a:ln>
+          </p:spPr>
+          <p:style>
+            <a:lnRef idx="2">
+              <a:schemeClr val="accent1"/>
+            </a:lnRef>
+            <a:fillRef idx="0">
+              <a:schemeClr val="accent1"/>
+            </a:fillRef>
+            <a:effectRef idx="1">
+              <a:schemeClr val="accent1"/>
+            </a:effectRef>
+            <a:fontRef idx="minor">
+              <a:schemeClr val="tx1"/>
+            </a:fontRef>
+          </p:style>
+        </p:cxnSp>
+        <p:cxnSp>
+          <p:nvCxnSpPr>
+            <p:cNvPr id="14" name="Straight Connector 13">
+              <a:extLst>
+                <a:ext uri="{FF2B5EF4-FFF2-40B4-BE49-F238E27FC236}">
+                  <a16:creationId xmlns:a16="http://schemas.microsoft.com/office/drawing/2014/main" id="{DE192CE3-3DD1-448F-93BE-42983DA0D5A9}"/>
+                </a:ext>
+                <a:ext uri="{C183D7F6-B498-43B3-948B-1728B52AA6E4}">
+                  <adec:decorative xmlns:adec="http://schemas.microsoft.com/office/drawing/2017/decorative" val="1"/>
+                </a:ext>
+              </a:extLst>
+            </p:cNvPr>
+            <p:cNvCxnSpPr/>
+            <p:nvPr>
+              <p:extLst>
+                <p:ext uri="{386F3935-93C4-4BCD-93E2-E3B085C9AB24}">
+                  <p16:designElem xmlns:p16="http://schemas.microsoft.com/office/powerpoint/2015/main" val="1"/>
+                </p:ext>
+              </p:extLst>
+            </p:nvPr>
+          </p:nvCxnSpPr>
+          <p:spPr>
+            <a:xfrm flipH="1">
+              <a:off x="10292292" y="3285067"/>
+              <a:ext cx="1896534" cy="1896533"/>
+            </a:xfrm>
+            <a:prstGeom prst="line">
+              <a:avLst/>
+            </a:prstGeom>
+            <a:ln w="9525">
+              <a:solidFill>
+                <a:schemeClr val="tx2">
+                  <a:lumMod val="75000"/>
+                  <a:alpha val="80000"/>
+                </a:schemeClr>
+              </a:solidFill>
+            </a:ln>
+          </p:spPr>
+          <p:style>
+            <a:lnRef idx="2">
+              <a:schemeClr val="accent1"/>
+            </a:lnRef>
+            <a:fillRef idx="0">
+              <a:schemeClr val="accent1"/>
+            </a:fillRef>
+            <a:effectRef idx="1">
+              <a:schemeClr val="accent1"/>
+            </a:effectRef>
+            <a:fontRef idx="minor">
+              <a:schemeClr val="tx1"/>
+            </a:fontRef>
+          </p:style>
+        </p:cxnSp>
+        <p:cxnSp>
+          <p:nvCxnSpPr>
+            <p:cNvPr id="15" name="Straight Connector 14">
+              <a:extLst>
+                <a:ext uri="{FF2B5EF4-FFF2-40B4-BE49-F238E27FC236}">
+                  <a16:creationId xmlns:a16="http://schemas.microsoft.com/office/drawing/2014/main" id="{E6D3DA09-5C72-4562-BEDE-1937DF87E81D}"/>
+                </a:ext>
+                <a:ext uri="{C183D7F6-B498-43B3-948B-1728B52AA6E4}">
+                  <adec:decorative xmlns:adec="http://schemas.microsoft.com/office/drawing/2017/decorative" val="1"/>
+                </a:ext>
+              </a:extLst>
+            </p:cNvPr>
+            <p:cNvCxnSpPr/>
+            <p:nvPr>
+              <p:extLst>
+                <p:ext uri="{386F3935-93C4-4BCD-93E2-E3B085C9AB24}">
+                  <p16:designElem xmlns:p16="http://schemas.microsoft.com/office/powerpoint/2015/main" val="1"/>
+                </p:ext>
+              </p:extLst>
+            </p:nvPr>
+          </p:nvCxnSpPr>
+          <p:spPr>
+            <a:xfrm flipH="1">
+              <a:off x="10443103" y="3131080"/>
+              <a:ext cx="1745722" cy="1745720"/>
+            </a:xfrm>
+            <a:prstGeom prst="line">
+              <a:avLst/>
+            </a:prstGeom>
+            <a:ln w="28575">
+              <a:solidFill>
+                <a:schemeClr val="tx2">
+                  <a:lumMod val="75000"/>
+                  <a:alpha val="80000"/>
+                </a:schemeClr>
+              </a:solidFill>
+            </a:ln>
+          </p:spPr>
+          <p:style>
+            <a:lnRef idx="2">
+              <a:schemeClr val="accent1"/>
+            </a:lnRef>
+            <a:fillRef idx="0">
+              <a:schemeClr val="accent1"/>
+            </a:fillRef>
+            <a:effectRef idx="1">
+              <a:schemeClr val="accent1"/>
+            </a:effectRef>
+            <a:fontRef idx="minor">
+              <a:schemeClr val="tx1"/>
+            </a:fontRef>
+          </p:style>
+        </p:cxnSp>
+        <p:cxnSp>
+          <p:nvCxnSpPr>
+            <p:cNvPr id="16" name="Straight Connector 15">
+              <a:extLst>
+                <a:ext uri="{FF2B5EF4-FFF2-40B4-BE49-F238E27FC236}">
+                  <a16:creationId xmlns:a16="http://schemas.microsoft.com/office/drawing/2014/main" id="{D6ACA7CA-2A20-49D7-9053-E076463D79A3}"/>
+                </a:ext>
+                <a:ext uri="{C183D7F6-B498-43B3-948B-1728B52AA6E4}">
+                  <adec:decorative xmlns:adec="http://schemas.microsoft.com/office/drawing/2017/decorative" val="1"/>
+                </a:ext>
+              </a:extLst>
+            </p:cNvPr>
+            <p:cNvCxnSpPr/>
+            <p:nvPr>
+              <p:extLst>
+                <p:ext uri="{386F3935-93C4-4BCD-93E2-E3B085C9AB24}">
+                  <p16:designElem xmlns:p16="http://schemas.microsoft.com/office/powerpoint/2015/main" val="1"/>
+                </p:ext>
+              </p:extLst>
+            </p:nvPr>
+          </p:nvCxnSpPr>
+          <p:spPr>
+            <a:xfrm flipH="1">
+              <a:off x="10918826" y="3683001"/>
+              <a:ext cx="1270001" cy="1269999"/>
+            </a:xfrm>
+            <a:prstGeom prst="line">
+              <a:avLst/>
+            </a:prstGeom>
+            <a:ln w="28575">
+              <a:solidFill>
+                <a:schemeClr val="tx2">
+                  <a:lumMod val="75000"/>
+                  <a:alpha val="80000"/>
+                </a:schemeClr>
+              </a:solidFill>
+            </a:ln>
+          </p:spPr>
+          <p:style>
+            <a:lnRef idx="2">
+              <a:schemeClr val="accent1"/>
+            </a:lnRef>
+            <a:fillRef idx="0">
+              <a:schemeClr val="accent1"/>
+            </a:fillRef>
+            <a:effectRef idx="1">
+              <a:schemeClr val="accent1"/>
+            </a:effectRef>
+            <a:fontRef idx="minor">
+              <a:schemeClr val="tx1"/>
+            </a:fontRef>
+          </p:style>
+        </p:cxnSp>
+      </p:grpSp>
+    </p:spTree>
+    <p:extLst>
+      <p:ext uri="{BB962C8B-B14F-4D97-AF65-F5344CB8AC3E}">
+        <p14:creationId xmlns:p14="http://schemas.microsoft.com/office/powerpoint/2010/main" val="3206589407"/>
+      </p:ext>
+    </p:extLst>
+  </p:cSld>
+  <p:clrMapOvr>
+    <a:masterClrMapping/>
+  </p:clrMapOvr>
+  <mc:AlternateContent xmlns:mc="http://schemas.openxmlformats.org/markup-compatibility/2006" xmlns:p14="http://schemas.microsoft.com/office/powerpoint/2010/main">
+    <mc:Choice Requires="p14">
+      <p:transition spd="med" p14:dur="700">
+        <p:fade/>
+      </p:transition>
+    </mc:Choice>
+    <mc:Fallback xmlns="">
+      <p:transition spd="med">
+        <p:fade/>
+      </p:transition>
+    </mc:Fallback>
+  </mc:AlternateContent>
+</p:sld>
+</file>
+
+<file path=ppt/slides/slide13.xml><?xml version="1.0" encoding="utf-8"?>
+<p:sld xmlns:a="http://schemas.openxmlformats.org/drawingml/2006/main" xmlns:r="http://schemas.openxmlformats.org/officeDocument/2006/relationships" xmlns:p="http://schemas.openxmlformats.org/presentationml/2006/main">
+  <p:cSld>
+    <p:spTree>
+      <p:nvGrpSpPr>
+        <p:cNvPr id="1" name=""/>
+        <p:cNvGrpSpPr/>
+        <p:nvPr/>
+      </p:nvGrpSpPr>
+      <p:grpSpPr>
+        <a:xfrm>
+          <a:off x="0" y="0"/>
+          <a:ext cx="0" cy="0"/>
+          <a:chOff x="0" y="0"/>
+          <a:chExt cx="0" cy="0"/>
+        </a:xfrm>
+      </p:grpSpPr>
+      <p:sp>
+        <p:nvSpPr>
           <p:cNvPr id="3" name="Title 2">
             <a:extLst>
               <a:ext uri="{FF2B5EF4-FFF2-40B4-BE49-F238E27FC236}">
@@ -6623,7 +7458,7 @@
 </p:sld>
 </file>
 
-<file path=ppt/slides/slide11.xml><?xml version="1.0" encoding="utf-8"?>
+<file path=ppt/slides/slide14.xml><?xml version="1.0" encoding="utf-8"?>
 <p:sld xmlns:a="http://schemas.openxmlformats.org/drawingml/2006/main" xmlns:r="http://schemas.openxmlformats.org/officeDocument/2006/relationships" xmlns:p="http://schemas.openxmlformats.org/presentationml/2006/main">
   <p:cSld>
     <p:spTree>

--- a/High School/Design and Drawing for Production/Unit 6 - Multiview Drawing/Section 1 - Intro Multiview Drawings/Assets/U6S1 - Intro Multiview.pptx
+++ b/High School/Design and Drawing for Production/Unit 6 - Multiview Drawing/Section 1 - Intro Multiview Drawings/Assets/U6S1 - Intro Multiview.pptx
@@ -227,7 +227,7 @@
           <a:p>
             <a:fld id="{6AC4FB8F-ED15-48AB-97BD-17129D4E699D}" type="datetimeFigureOut">
               <a:rPr lang="en-US" smtClean="0"/>
-              <a:t>12/4/18</a:t>
+              <a:t>12/6/18</a:t>
             </a:fld>
             <a:endParaRPr lang="en-US" dirty="0"/>
           </a:p>
@@ -392,7 +392,7 @@
           <a:p>
             <a:fld id="{BBC9D437-CD83-4825-AD0D-5E7B341BC79B}" type="datetimeFigureOut">
               <a:rPr lang="en-US" smtClean="0"/>
-              <a:t>12/4/18</a:t>
+              <a:t>12/6/18</a:t>
             </a:fld>
             <a:endParaRPr lang="en-US" dirty="0"/>
           </a:p>
@@ -850,7 +850,7 @@
           <a:p>
             <a:fld id="{85AB7CBB-843F-464A-A764-71D6ADC27CFA}" type="datetime1">
               <a:rPr lang="en-US" smtClean="0"/>
-              <a:t>12/4/18</a:t>
+              <a:t>12/6/18</a:t>
             </a:fld>
             <a:endParaRPr lang="en-US" dirty="0"/>
           </a:p>
@@ -1303,7 +1303,7 @@
           <a:p>
             <a:fld id="{3F138946-C5C1-4A11-BA69-F12F43F8A94B}" type="datetime1">
               <a:rPr lang="en-US" smtClean="0"/>
-              <a:t>12/4/18</a:t>
+              <a:t>12/6/18</a:t>
             </a:fld>
             <a:endParaRPr lang="en-US" dirty="0"/>
           </a:p>
@@ -1559,7 +1559,7 @@
           <a:p>
             <a:fld id="{3F138946-C5C1-4A11-BA69-F12F43F8A94B}" type="datetime1">
               <a:rPr lang="en-US" smtClean="0"/>
-              <a:t>12/4/18</a:t>
+              <a:t>12/6/18</a:t>
             </a:fld>
             <a:endParaRPr lang="en-US" dirty="0"/>
           </a:p>
@@ -1873,7 +1873,7 @@
           <a:p>
             <a:fld id="{3F138946-C5C1-4A11-BA69-F12F43F8A94B}" type="datetime1">
               <a:rPr lang="en-US" smtClean="0"/>
-              <a:t>12/4/18</a:t>
+              <a:t>12/6/18</a:t>
             </a:fld>
             <a:endParaRPr lang="en-US" dirty="0"/>
           </a:p>
@@ -2197,7 +2197,7 @@
           <a:p>
             <a:fld id="{3F138946-C5C1-4A11-BA69-F12F43F8A94B}" type="datetime1">
               <a:rPr lang="en-US" smtClean="0"/>
-              <a:t>12/4/18</a:t>
+              <a:t>12/6/18</a:t>
             </a:fld>
             <a:endParaRPr lang="en-US" dirty="0"/>
           </a:p>
@@ -2505,7 +2505,7 @@
           <a:p>
             <a:fld id="{3F138946-C5C1-4A11-BA69-F12F43F8A94B}" type="datetime1">
               <a:rPr lang="en-US" smtClean="0"/>
-              <a:t>12/4/18</a:t>
+              <a:t>12/6/18</a:t>
             </a:fld>
             <a:endParaRPr lang="en-US" dirty="0"/>
           </a:p>
@@ -2878,7 +2878,7 @@
           <a:p>
             <a:fld id="{3F138946-C5C1-4A11-BA69-F12F43F8A94B}" type="datetime1">
               <a:rPr lang="en-US" smtClean="0"/>
-              <a:t>12/4/18</a:t>
+              <a:t>12/6/18</a:t>
             </a:fld>
             <a:endParaRPr lang="en-US" dirty="0"/>
           </a:p>
@@ -3058,7 +3058,7 @@
           <a:p>
             <a:fld id="{CBEFC03D-3A1F-4813-9337-02411FCC3A9A}" type="datetime1">
               <a:rPr lang="en-US" smtClean="0"/>
-              <a:t>12/4/18</a:t>
+              <a:t>12/6/18</a:t>
             </a:fld>
             <a:endParaRPr lang="en-US" dirty="0"/>
           </a:p>
@@ -3254,7 +3254,7 @@
           <a:p>
             <a:fld id="{3D638F79-DFA0-4C26-9553-23A017B69AB6}" type="datetime1">
               <a:rPr lang="en-US" smtClean="0"/>
-              <a:t>12/4/18</a:t>
+              <a:t>12/6/18</a:t>
             </a:fld>
             <a:endParaRPr lang="en-US" dirty="0"/>
           </a:p>
@@ -3365,7 +3365,7 @@
           <a:p>
             <a:fld id="{AA615CA6-EC4D-4728-8AA6-534BE7E9B67C}" type="datetime1">
               <a:rPr lang="en-US" smtClean="0"/>
-              <a:t>12/4/18</a:t>
+              <a:t>12/6/18</a:t>
             </a:fld>
             <a:endParaRPr lang="en-US" dirty="0"/>
           </a:p>
@@ -3550,7 +3550,7 @@
           <a:p>
             <a:fld id="{A70B34E7-E1D9-4FBF-A1A0-4009669A00BF}" type="datetime1">
               <a:rPr lang="en-US" smtClean="0"/>
-              <a:t>12/4/18</a:t>
+              <a:t>12/6/18</a:t>
             </a:fld>
             <a:endParaRPr lang="en-US" dirty="0"/>
           </a:p>
@@ -3817,7 +3817,7 @@
           <a:p>
             <a:fld id="{C50FD434-5945-4FAF-A8C0-DAE9905532CE}" type="datetimeFigureOut">
               <a:rPr lang="en-US" smtClean="0"/>
-              <a:t>12/4/18</a:t>
+              <a:t>12/6/18</a:t>
             </a:fld>
             <a:endParaRPr lang="en-US"/>
           </a:p>
@@ -4065,7 +4065,7 @@
           <a:p>
             <a:fld id="{7579E8B6-2F47-420B-83EA-EB2285D13EC9}" type="datetime1">
               <a:rPr lang="en-US" smtClean="0"/>
-              <a:t>12/4/18</a:t>
+              <a:t>12/6/18</a:t>
             </a:fld>
             <a:endParaRPr lang="en-US" dirty="0"/>
           </a:p>
@@ -4463,7 +4463,7 @@
           <a:p>
             <a:fld id="{2304803D-B10E-4B90-8456-A0E05393E233}" type="datetime1">
               <a:rPr lang="en-US" smtClean="0"/>
-              <a:t>12/4/18</a:t>
+              <a:t>12/6/18</a:t>
             </a:fld>
             <a:endParaRPr lang="en-US" dirty="0"/>
           </a:p>
@@ -4597,7 +4597,7 @@
           <a:p>
             <a:fld id="{CCE1E62F-6CCE-4064-96C2-2084AF883904}" type="datetime1">
               <a:rPr lang="en-US" smtClean="0"/>
-              <a:t>12/4/18</a:t>
+              <a:t>12/6/18</a:t>
             </a:fld>
             <a:endParaRPr lang="en-US" dirty="0"/>
           </a:p>
@@ -4708,7 +4708,7 @@
           <a:p>
             <a:fld id="{AA615CA6-EC4D-4728-8AA6-534BE7E9B67C}" type="datetime1">
               <a:rPr lang="en-US" smtClean="0"/>
-              <a:t>12/4/18</a:t>
+              <a:t>12/6/18</a:t>
             </a:fld>
             <a:endParaRPr lang="en-US" dirty="0"/>
           </a:p>
@@ -4979,7 +4979,7 @@
           <a:p>
             <a:fld id="{A6139942-0A2E-443A-842F-D6DE74360370}" type="datetime1">
               <a:rPr lang="en-US" smtClean="0"/>
-              <a:t>12/4/18</a:t>
+              <a:t>12/6/18</a:t>
             </a:fld>
             <a:endParaRPr lang="en-US" dirty="0"/>
           </a:p>
@@ -5278,7 +5278,7 @@
           <a:p>
             <a:fld id="{C50FD434-5945-4FAF-A8C0-DAE9905532CE}" type="datetimeFigureOut">
               <a:rPr lang="en-US" smtClean="0"/>
-              <a:t>12/4/18</a:t>
+              <a:t>12/6/18</a:t>
             </a:fld>
             <a:endParaRPr lang="en-US"/>
           </a:p>
@@ -5748,7 +5748,7 @@
           <a:p>
             <a:fld id="{3F138946-C5C1-4A11-BA69-F12F43F8A94B}" type="datetime1">
               <a:rPr lang="en-US" smtClean="0"/>
-              <a:t>12/4/18</a:t>
+              <a:t>12/6/18</a:t>
             </a:fld>
             <a:endParaRPr lang="en-US" dirty="0"/>
           </a:p>

--- a/High School/Design and Drawing for Production/Unit 6 - Multiview Drawing/Section 1 - Intro Multiview Drawings/Assets/U6S1 - Intro Multiview.pptx
+++ b/High School/Design and Drawing for Production/Unit 6 - Multiview Drawing/Section 1 - Intro Multiview Drawings/Assets/U6S1 - Intro Multiview.pptx
@@ -5,10 +5,10 @@
     <p:sldMasterId id="2147483735" r:id="rId1"/>
   </p:sldMasterIdLst>
   <p:notesMasterIdLst>
-    <p:notesMasterId r:id="rId16"/>
+    <p:notesMasterId r:id="rId18"/>
   </p:notesMasterIdLst>
   <p:handoutMasterIdLst>
-    <p:handoutMasterId r:id="rId17"/>
+    <p:handoutMasterId r:id="rId19"/>
   </p:handoutMasterIdLst>
   <p:sldIdLst>
     <p:sldId id="275" r:id="rId2"/>
@@ -25,6 +25,8 @@
     <p:sldId id="283" r:id="rId13"/>
     <p:sldId id="279" r:id="rId14"/>
     <p:sldId id="280" r:id="rId15"/>
+    <p:sldId id="284" r:id="rId16"/>
+    <p:sldId id="285" r:id="rId17"/>
   </p:sldIdLst>
   <p:sldSz cx="12192000" cy="6858000"/>
   <p:notesSz cx="6858000" cy="9144000"/>
@@ -227,7 +229,7 @@
           <a:p>
             <a:fld id="{6AC4FB8F-ED15-48AB-97BD-17129D4E699D}" type="datetimeFigureOut">
               <a:rPr lang="en-US" smtClean="0"/>
-              <a:t>12/6/18</a:t>
+              <a:t>12/17/18</a:t>
             </a:fld>
             <a:endParaRPr lang="en-US" dirty="0"/>
           </a:p>
@@ -392,7 +394,7 @@
           <a:p>
             <a:fld id="{BBC9D437-CD83-4825-AD0D-5E7B341BC79B}" type="datetimeFigureOut">
               <a:rPr lang="en-US" smtClean="0"/>
-              <a:t>12/6/18</a:t>
+              <a:t>12/17/18</a:t>
             </a:fld>
             <a:endParaRPr lang="en-US" dirty="0"/>
           </a:p>
@@ -850,7 +852,7 @@
           <a:p>
             <a:fld id="{85AB7CBB-843F-464A-A764-71D6ADC27CFA}" type="datetime1">
               <a:rPr lang="en-US" smtClean="0"/>
-              <a:t>12/6/18</a:t>
+              <a:t>12/17/18</a:t>
             </a:fld>
             <a:endParaRPr lang="en-US" dirty="0"/>
           </a:p>
@@ -1303,7 +1305,7 @@
           <a:p>
             <a:fld id="{3F138946-C5C1-4A11-BA69-F12F43F8A94B}" type="datetime1">
               <a:rPr lang="en-US" smtClean="0"/>
-              <a:t>12/6/18</a:t>
+              <a:t>12/17/18</a:t>
             </a:fld>
             <a:endParaRPr lang="en-US" dirty="0"/>
           </a:p>
@@ -1559,7 +1561,7 @@
           <a:p>
             <a:fld id="{3F138946-C5C1-4A11-BA69-F12F43F8A94B}" type="datetime1">
               <a:rPr lang="en-US" smtClean="0"/>
-              <a:t>12/6/18</a:t>
+              <a:t>12/17/18</a:t>
             </a:fld>
             <a:endParaRPr lang="en-US" dirty="0"/>
           </a:p>
@@ -1873,7 +1875,7 @@
           <a:p>
             <a:fld id="{3F138946-C5C1-4A11-BA69-F12F43F8A94B}" type="datetime1">
               <a:rPr lang="en-US" smtClean="0"/>
-              <a:t>12/6/18</a:t>
+              <a:t>12/17/18</a:t>
             </a:fld>
             <a:endParaRPr lang="en-US" dirty="0"/>
           </a:p>
@@ -2197,7 +2199,7 @@
           <a:p>
             <a:fld id="{3F138946-C5C1-4A11-BA69-F12F43F8A94B}" type="datetime1">
               <a:rPr lang="en-US" smtClean="0"/>
-              <a:t>12/6/18</a:t>
+              <a:t>12/17/18</a:t>
             </a:fld>
             <a:endParaRPr lang="en-US" dirty="0"/>
           </a:p>
@@ -2505,7 +2507,7 @@
           <a:p>
             <a:fld id="{3F138946-C5C1-4A11-BA69-F12F43F8A94B}" type="datetime1">
               <a:rPr lang="en-US" smtClean="0"/>
-              <a:t>12/6/18</a:t>
+              <a:t>12/17/18</a:t>
             </a:fld>
             <a:endParaRPr lang="en-US" dirty="0"/>
           </a:p>
@@ -2878,7 +2880,7 @@
           <a:p>
             <a:fld id="{3F138946-C5C1-4A11-BA69-F12F43F8A94B}" type="datetime1">
               <a:rPr lang="en-US" smtClean="0"/>
-              <a:t>12/6/18</a:t>
+              <a:t>12/17/18</a:t>
             </a:fld>
             <a:endParaRPr lang="en-US" dirty="0"/>
           </a:p>
@@ -3058,7 +3060,7 @@
           <a:p>
             <a:fld id="{CBEFC03D-3A1F-4813-9337-02411FCC3A9A}" type="datetime1">
               <a:rPr lang="en-US" smtClean="0"/>
-              <a:t>12/6/18</a:t>
+              <a:t>12/17/18</a:t>
             </a:fld>
             <a:endParaRPr lang="en-US" dirty="0"/>
           </a:p>
@@ -3254,7 +3256,7 @@
           <a:p>
             <a:fld id="{3D638F79-DFA0-4C26-9553-23A017B69AB6}" type="datetime1">
               <a:rPr lang="en-US" smtClean="0"/>
-              <a:t>12/6/18</a:t>
+              <a:t>12/17/18</a:t>
             </a:fld>
             <a:endParaRPr lang="en-US" dirty="0"/>
           </a:p>
@@ -3365,7 +3367,7 @@
           <a:p>
             <a:fld id="{AA615CA6-EC4D-4728-8AA6-534BE7E9B67C}" type="datetime1">
               <a:rPr lang="en-US" smtClean="0"/>
-              <a:t>12/6/18</a:t>
+              <a:t>12/17/18</a:t>
             </a:fld>
             <a:endParaRPr lang="en-US" dirty="0"/>
           </a:p>
@@ -3550,7 +3552,7 @@
           <a:p>
             <a:fld id="{A70B34E7-E1D9-4FBF-A1A0-4009669A00BF}" type="datetime1">
               <a:rPr lang="en-US" smtClean="0"/>
-              <a:t>12/6/18</a:t>
+              <a:t>12/17/18</a:t>
             </a:fld>
             <a:endParaRPr lang="en-US" dirty="0"/>
           </a:p>
@@ -3817,7 +3819,7 @@
           <a:p>
             <a:fld id="{C50FD434-5945-4FAF-A8C0-DAE9905532CE}" type="datetimeFigureOut">
               <a:rPr lang="en-US" smtClean="0"/>
-              <a:t>12/6/18</a:t>
+              <a:t>12/17/18</a:t>
             </a:fld>
             <a:endParaRPr lang="en-US"/>
           </a:p>
@@ -4065,7 +4067,7 @@
           <a:p>
             <a:fld id="{7579E8B6-2F47-420B-83EA-EB2285D13EC9}" type="datetime1">
               <a:rPr lang="en-US" smtClean="0"/>
-              <a:t>12/6/18</a:t>
+              <a:t>12/17/18</a:t>
             </a:fld>
             <a:endParaRPr lang="en-US" dirty="0"/>
           </a:p>
@@ -4463,7 +4465,7 @@
           <a:p>
             <a:fld id="{2304803D-B10E-4B90-8456-A0E05393E233}" type="datetime1">
               <a:rPr lang="en-US" smtClean="0"/>
-              <a:t>12/6/18</a:t>
+              <a:t>12/17/18</a:t>
             </a:fld>
             <a:endParaRPr lang="en-US" dirty="0"/>
           </a:p>
@@ -4597,7 +4599,7 @@
           <a:p>
             <a:fld id="{CCE1E62F-6CCE-4064-96C2-2084AF883904}" type="datetime1">
               <a:rPr lang="en-US" smtClean="0"/>
-              <a:t>12/6/18</a:t>
+              <a:t>12/17/18</a:t>
             </a:fld>
             <a:endParaRPr lang="en-US" dirty="0"/>
           </a:p>
@@ -4708,7 +4710,7 @@
           <a:p>
             <a:fld id="{AA615CA6-EC4D-4728-8AA6-534BE7E9B67C}" type="datetime1">
               <a:rPr lang="en-US" smtClean="0"/>
-              <a:t>12/6/18</a:t>
+              <a:t>12/17/18</a:t>
             </a:fld>
             <a:endParaRPr lang="en-US" dirty="0"/>
           </a:p>
@@ -4979,7 +4981,7 @@
           <a:p>
             <a:fld id="{A6139942-0A2E-443A-842F-D6DE74360370}" type="datetime1">
               <a:rPr lang="en-US" smtClean="0"/>
-              <a:t>12/6/18</a:t>
+              <a:t>12/17/18</a:t>
             </a:fld>
             <a:endParaRPr lang="en-US" dirty="0"/>
           </a:p>
@@ -5278,7 +5280,7 @@
           <a:p>
             <a:fld id="{C50FD434-5945-4FAF-A8C0-DAE9905532CE}" type="datetimeFigureOut">
               <a:rPr lang="en-US" smtClean="0"/>
-              <a:t>12/6/18</a:t>
+              <a:t>12/17/18</a:t>
             </a:fld>
             <a:endParaRPr lang="en-US"/>
           </a:p>
@@ -5748,7 +5750,7 @@
           <a:p>
             <a:fld id="{3F138946-C5C1-4A11-BA69-F12F43F8A94B}" type="datetime1">
               <a:rPr lang="en-US" smtClean="0"/>
-              <a:t>12/6/18</a:t>
+              <a:t>12/17/18</a:t>
             </a:fld>
             <a:endParaRPr lang="en-US" dirty="0"/>
           </a:p>
@@ -7515,6 +7517,300 @@
     <p:extLst>
       <p:ext uri="{BB962C8B-B14F-4D97-AF65-F5344CB8AC3E}">
         <p14:creationId xmlns:p14="http://schemas.microsoft.com/office/powerpoint/2010/main" val="662396361"/>
+      </p:ext>
+    </p:extLst>
+  </p:cSld>
+  <p:clrMapOvr>
+    <a:masterClrMapping/>
+  </p:clrMapOvr>
+  <mc:AlternateContent xmlns:mc="http://schemas.openxmlformats.org/markup-compatibility/2006" xmlns:p14="http://schemas.microsoft.com/office/powerpoint/2010/main">
+    <mc:Choice Requires="p14">
+      <p:transition spd="med" p14:dur="700">
+        <p:fade/>
+      </p:transition>
+    </mc:Choice>
+    <mc:Fallback xmlns="">
+      <p:transition spd="med">
+        <p:fade/>
+      </p:transition>
+    </mc:Fallback>
+  </mc:AlternateContent>
+</p:sld>
+</file>
+
+<file path=ppt/slides/slide15.xml><?xml version="1.0" encoding="utf-8"?>
+<p:sld xmlns:a="http://schemas.openxmlformats.org/drawingml/2006/main" xmlns:r="http://schemas.openxmlformats.org/officeDocument/2006/relationships" xmlns:p="http://schemas.openxmlformats.org/presentationml/2006/main">
+  <p:cSld>
+    <p:spTree>
+      <p:nvGrpSpPr>
+        <p:cNvPr id="1" name=""/>
+        <p:cNvGrpSpPr/>
+        <p:nvPr/>
+      </p:nvGrpSpPr>
+      <p:grpSpPr>
+        <a:xfrm>
+          <a:off x="0" y="0"/>
+          <a:ext cx="0" cy="0"/>
+          <a:chOff x="0" y="0"/>
+          <a:chExt cx="0" cy="0"/>
+        </a:xfrm>
+      </p:grpSpPr>
+      <p:sp>
+        <p:nvSpPr>
+          <p:cNvPr id="3" name="Title 2">
+            <a:extLst>
+              <a:ext uri="{FF2B5EF4-FFF2-40B4-BE49-F238E27FC236}">
+                <a16:creationId xmlns:a16="http://schemas.microsoft.com/office/drawing/2014/main" id="{3ED7F820-8359-2049-AA75-EB8518CA17DD}"/>
+              </a:ext>
+            </a:extLst>
+          </p:cNvPr>
+          <p:cNvSpPr>
+            <a:spLocks noGrp="1"/>
+          </p:cNvSpPr>
+          <p:nvPr>
+            <p:ph type="title"/>
+          </p:nvPr>
+        </p:nvSpPr>
+        <p:spPr/>
+        <p:txBody>
+          <a:bodyPr/>
+          <a:lstStyle/>
+          <a:p>
+            <a:r>
+              <a:rPr lang="en-US" dirty="0"/>
+              <a:t>45 degree projection</a:t>
+            </a:r>
+          </a:p>
+        </p:txBody>
+      </p:sp>
+      <p:sp>
+        <p:nvSpPr>
+          <p:cNvPr id="4" name="Text Placeholder 3">
+            <a:extLst>
+              <a:ext uri="{FF2B5EF4-FFF2-40B4-BE49-F238E27FC236}">
+                <a16:creationId xmlns:a16="http://schemas.microsoft.com/office/drawing/2014/main" id="{E9DFF510-3F04-5E4E-9DAC-CB533B94D459}"/>
+              </a:ext>
+            </a:extLst>
+          </p:cNvPr>
+          <p:cNvSpPr>
+            <a:spLocks noGrp="1"/>
+          </p:cNvSpPr>
+          <p:nvPr>
+            <p:ph type="body" idx="1"/>
+          </p:nvPr>
+        </p:nvSpPr>
+        <p:spPr/>
+        <p:txBody>
+          <a:bodyPr/>
+          <a:lstStyle/>
+          <a:p>
+            <a:endParaRPr lang="en-US"/>
+          </a:p>
+        </p:txBody>
+      </p:sp>
+      <p:sp>
+        <p:nvSpPr>
+          <p:cNvPr id="2" name="Footer Placeholder 1">
+            <a:extLst>
+              <a:ext uri="{FF2B5EF4-FFF2-40B4-BE49-F238E27FC236}">
+                <a16:creationId xmlns:a16="http://schemas.microsoft.com/office/drawing/2014/main" id="{63A381B6-A231-B244-88C6-50E141A969C9}"/>
+              </a:ext>
+            </a:extLst>
+          </p:cNvPr>
+          <p:cNvSpPr>
+            <a:spLocks noGrp="1"/>
+          </p:cNvSpPr>
+          <p:nvPr>
+            <p:ph type="ftr" sz="quarter" idx="11"/>
+          </p:nvPr>
+        </p:nvSpPr>
+        <p:spPr/>
+        <p:txBody>
+          <a:bodyPr/>
+          <a:lstStyle/>
+          <a:p>
+            <a:r>
+              <a:rPr lang="en-US"/>
+              <a:t>Add a footer</a:t>
+            </a:r>
+            <a:endParaRPr lang="en-US" dirty="0"/>
+          </a:p>
+        </p:txBody>
+      </p:sp>
+    </p:spTree>
+    <p:extLst>
+      <p:ext uri="{BB962C8B-B14F-4D97-AF65-F5344CB8AC3E}">
+        <p14:creationId xmlns:p14="http://schemas.microsoft.com/office/powerpoint/2010/main" val="4170231806"/>
+      </p:ext>
+    </p:extLst>
+  </p:cSld>
+  <p:clrMapOvr>
+    <a:masterClrMapping/>
+  </p:clrMapOvr>
+  <mc:AlternateContent xmlns:mc="http://schemas.openxmlformats.org/markup-compatibility/2006" xmlns:p14="http://schemas.microsoft.com/office/powerpoint/2010/main">
+    <mc:Choice Requires="p14">
+      <p:transition spd="med" p14:dur="700">
+        <p:fade/>
+      </p:transition>
+    </mc:Choice>
+    <mc:Fallback xmlns="">
+      <p:transition spd="med">
+        <p:fade/>
+      </p:transition>
+    </mc:Fallback>
+  </mc:AlternateContent>
+</p:sld>
+</file>
+
+<file path=ppt/slides/slide16.xml><?xml version="1.0" encoding="utf-8"?>
+<p:sld xmlns:a="http://schemas.openxmlformats.org/drawingml/2006/main" xmlns:r="http://schemas.openxmlformats.org/officeDocument/2006/relationships" xmlns:p="http://schemas.openxmlformats.org/presentationml/2006/main">
+  <p:cSld>
+    <p:spTree>
+      <p:nvGrpSpPr>
+        <p:cNvPr id="1" name=""/>
+        <p:cNvGrpSpPr/>
+        <p:nvPr/>
+      </p:nvGrpSpPr>
+      <p:grpSpPr>
+        <a:xfrm>
+          <a:off x="0" y="0"/>
+          <a:ext cx="0" cy="0"/>
+          <a:chOff x="0" y="0"/>
+          <a:chExt cx="0" cy="0"/>
+        </a:xfrm>
+      </p:grpSpPr>
+      <p:sp>
+        <p:nvSpPr>
+          <p:cNvPr id="5" name="Title 4">
+            <a:extLst>
+              <a:ext uri="{FF2B5EF4-FFF2-40B4-BE49-F238E27FC236}">
+                <a16:creationId xmlns:a16="http://schemas.microsoft.com/office/drawing/2014/main" id="{222758EA-9D73-ED40-8453-EC230DBA6111}"/>
+              </a:ext>
+            </a:extLst>
+          </p:cNvPr>
+          <p:cNvSpPr>
+            <a:spLocks noGrp="1"/>
+          </p:cNvSpPr>
+          <p:nvPr>
+            <p:ph type="title"/>
+          </p:nvPr>
+        </p:nvSpPr>
+        <p:spPr/>
+        <p:txBody>
+          <a:bodyPr/>
+          <a:lstStyle/>
+          <a:p>
+            <a:r>
+              <a:rPr lang="en-US" dirty="0"/>
+              <a:t>45 degree projection line</a:t>
+            </a:r>
+          </a:p>
+        </p:txBody>
+      </p:sp>
+      <p:sp>
+        <p:nvSpPr>
+          <p:cNvPr id="6" name="Content Placeholder 5">
+            <a:extLst>
+              <a:ext uri="{FF2B5EF4-FFF2-40B4-BE49-F238E27FC236}">
+                <a16:creationId xmlns:a16="http://schemas.microsoft.com/office/drawing/2014/main" id="{F352A66B-D093-5846-B0F2-11B3DE977629}"/>
+              </a:ext>
+            </a:extLst>
+          </p:cNvPr>
+          <p:cNvSpPr>
+            <a:spLocks noGrp="1"/>
+          </p:cNvSpPr>
+          <p:nvPr>
+            <p:ph idx="1"/>
+          </p:nvPr>
+        </p:nvSpPr>
+        <p:spPr>
+          <a:xfrm>
+            <a:off x="684212" y="685800"/>
+            <a:ext cx="5455170" cy="3615267"/>
+          </a:xfrm>
+        </p:spPr>
+        <p:txBody>
+          <a:bodyPr/>
+          <a:lstStyle/>
+          <a:p>
+            <a:r>
+              <a:rPr lang="en-US" dirty="0"/>
+              <a:t>Helps layout orthographic views</a:t>
+            </a:r>
+          </a:p>
+          <a:p>
+            <a:r>
+              <a:rPr lang="en-US" dirty="0"/>
+              <a:t>Creates depth</a:t>
+            </a:r>
+          </a:p>
+          <a:p>
+            <a:r>
+              <a:rPr lang="en-US" dirty="0"/>
+              <a:t>Aligns shape with respect to front and top views</a:t>
+            </a:r>
+          </a:p>
+        </p:txBody>
+      </p:sp>
+      <p:sp>
+        <p:nvSpPr>
+          <p:cNvPr id="4" name="Footer Placeholder 3">
+            <a:extLst>
+              <a:ext uri="{FF2B5EF4-FFF2-40B4-BE49-F238E27FC236}">
+                <a16:creationId xmlns:a16="http://schemas.microsoft.com/office/drawing/2014/main" id="{9EF6E549-BFF7-354A-B13D-ED389B862D98}"/>
+              </a:ext>
+            </a:extLst>
+          </p:cNvPr>
+          <p:cNvSpPr>
+            <a:spLocks noGrp="1"/>
+          </p:cNvSpPr>
+          <p:nvPr>
+            <p:ph type="ftr" sz="quarter" idx="11"/>
+          </p:nvPr>
+        </p:nvSpPr>
+        <p:spPr/>
+        <p:txBody>
+          <a:bodyPr/>
+          <a:lstStyle/>
+          <a:p>
+            <a:endParaRPr lang="en-US"/>
+          </a:p>
+        </p:txBody>
+      </p:sp>
+      <p:pic>
+        <p:nvPicPr>
+          <p:cNvPr id="7" name="Picture 6">
+            <a:extLst>
+              <a:ext uri="{FF2B5EF4-FFF2-40B4-BE49-F238E27FC236}">
+                <a16:creationId xmlns:a16="http://schemas.microsoft.com/office/drawing/2014/main" id="{025D351D-FF31-6A43-BAB6-284C9C781B9E}"/>
+              </a:ext>
+            </a:extLst>
+          </p:cNvPr>
+          <p:cNvPicPr>
+            <a:picLocks noChangeAspect="1"/>
+          </p:cNvPicPr>
+          <p:nvPr/>
+        </p:nvPicPr>
+        <p:blipFill>
+          <a:blip r:embed="rId2"/>
+          <a:stretch>
+            <a:fillRect/>
+          </a:stretch>
+        </p:blipFill>
+        <p:spPr>
+          <a:xfrm>
+            <a:off x="6139382" y="320675"/>
+            <a:ext cx="5659099" cy="3898490"/>
+          </a:xfrm>
+          <a:prstGeom prst="rect">
+            <a:avLst/>
+          </a:prstGeom>
+        </p:spPr>
+      </p:pic>
+    </p:spTree>
+    <p:extLst>
+      <p:ext uri="{BB962C8B-B14F-4D97-AF65-F5344CB8AC3E}">
+        <p14:creationId xmlns:p14="http://schemas.microsoft.com/office/powerpoint/2010/main" val="510999132"/>
       </p:ext>
     </p:extLst>
   </p:cSld>
